--- a/ppt 16-9/1544.空谷的回音.pptx
+++ b/ppt 16-9/1544.空谷的回音.pptx
@@ -129,7 +129,7 @@
           <p:cNvPr id="2" name="标题 1">
             <a:extLst>
               <a:ext uri="{FF2B5EF4-FFF2-40B4-BE49-F238E27FC236}">
-                <a16:creationId xmlns:a16="http://schemas.microsoft.com/office/drawing/2014/main" id="{8C6FEAA9-219C-E93B-FC90-9760D670CBBF}"/>
+                <a16:creationId xmlns:a16="http://schemas.microsoft.com/office/drawing/2014/main" id="{2AE4BDD1-1030-7AA1-10E9-1B912875CAC2}"/>
               </a:ext>
             </a:extLst>
           </p:cNvPr>
@@ -166,7 +166,7 @@
           <p:cNvPr id="3" name="副标题 2">
             <a:extLst>
               <a:ext uri="{FF2B5EF4-FFF2-40B4-BE49-F238E27FC236}">
-                <a16:creationId xmlns:a16="http://schemas.microsoft.com/office/drawing/2014/main" id="{6F7A907D-1B1E-3765-266A-9BE46C25B8E3}"/>
+                <a16:creationId xmlns:a16="http://schemas.microsoft.com/office/drawing/2014/main" id="{5EED7231-4001-2ED4-FBE0-E00F85144AFC}"/>
               </a:ext>
             </a:extLst>
           </p:cNvPr>
@@ -236,7 +236,7 @@
           <p:cNvPr id="4" name="日期占位符 3">
             <a:extLst>
               <a:ext uri="{FF2B5EF4-FFF2-40B4-BE49-F238E27FC236}">
-                <a16:creationId xmlns:a16="http://schemas.microsoft.com/office/drawing/2014/main" id="{0A671F8F-73A5-D4AF-72CB-4C2891834F4B}"/>
+                <a16:creationId xmlns:a16="http://schemas.microsoft.com/office/drawing/2014/main" id="{EC4CA84A-2F67-FE49-719C-9F4498908FCF}"/>
               </a:ext>
             </a:extLst>
           </p:cNvPr>
@@ -252,7 +252,7 @@
           <a:bodyPr/>
           <a:lstStyle/>
           <a:p>
-            <a:fld id="{57414969-10EE-434C-A06F-3E12DDAB1E92}" type="datetimeFigureOut">
+            <a:fld id="{0EF5D0CA-801D-41D9-83CB-88966ABB5BA8}" type="datetimeFigureOut">
               <a:rPr lang="zh-CN" altLang="en-US" smtClean="0"/>
               <a:t>2024/3/10</a:t>
             </a:fld>
@@ -265,7 +265,7 @@
           <p:cNvPr id="5" name="页脚占位符 4">
             <a:extLst>
               <a:ext uri="{FF2B5EF4-FFF2-40B4-BE49-F238E27FC236}">
-                <a16:creationId xmlns:a16="http://schemas.microsoft.com/office/drawing/2014/main" id="{9878628D-24AF-166E-6E6C-12778383DB2A}"/>
+                <a16:creationId xmlns:a16="http://schemas.microsoft.com/office/drawing/2014/main" id="{9594992A-B811-938D-901E-CEA8AC825EF6}"/>
               </a:ext>
             </a:extLst>
           </p:cNvPr>
@@ -290,7 +290,7 @@
           <p:cNvPr id="6" name="灯片编号占位符 5">
             <a:extLst>
               <a:ext uri="{FF2B5EF4-FFF2-40B4-BE49-F238E27FC236}">
-                <a16:creationId xmlns:a16="http://schemas.microsoft.com/office/drawing/2014/main" id="{868F64F6-7050-B87C-5333-BEA2D48779AF}"/>
+                <a16:creationId xmlns:a16="http://schemas.microsoft.com/office/drawing/2014/main" id="{275D8829-371B-89B0-71EB-FCEE2C2ECEB9}"/>
               </a:ext>
             </a:extLst>
           </p:cNvPr>
@@ -306,7 +306,7 @@
           <a:bodyPr/>
           <a:lstStyle/>
           <a:p>
-            <a:fld id="{DEEB45C2-BECD-4472-B16F-9E9C39078D98}" type="slidenum">
+            <a:fld id="{B8BB780F-717F-4A4A-A2CD-C673888AB118}" type="slidenum">
               <a:rPr lang="zh-CN" altLang="en-US" smtClean="0"/>
               <a:t>‹#›</a:t>
             </a:fld>
@@ -317,7 +317,7 @@
     </p:spTree>
     <p:extLst>
       <p:ext uri="{BB962C8B-B14F-4D97-AF65-F5344CB8AC3E}">
-        <p14:creationId xmlns:p14="http://schemas.microsoft.com/office/powerpoint/2010/main" val="1198775387"/>
+        <p14:creationId xmlns:p14="http://schemas.microsoft.com/office/powerpoint/2010/main" val="4115515351"/>
       </p:ext>
     </p:extLst>
   </p:cSld>
@@ -349,7 +349,7 @@
           <p:cNvPr id="2" name="标题 1">
             <a:extLst>
               <a:ext uri="{FF2B5EF4-FFF2-40B4-BE49-F238E27FC236}">
-                <a16:creationId xmlns:a16="http://schemas.microsoft.com/office/drawing/2014/main" id="{4CE2F15A-142B-E70C-3189-916E9F542F49}"/>
+                <a16:creationId xmlns:a16="http://schemas.microsoft.com/office/drawing/2014/main" id="{8B283796-410E-84C7-4054-22ED70D61BFA}"/>
               </a:ext>
             </a:extLst>
           </p:cNvPr>
@@ -377,7 +377,7 @@
           <p:cNvPr id="3" name="竖排文字占位符 2">
             <a:extLst>
               <a:ext uri="{FF2B5EF4-FFF2-40B4-BE49-F238E27FC236}">
-                <a16:creationId xmlns:a16="http://schemas.microsoft.com/office/drawing/2014/main" id="{A15897EB-2DF9-C033-B2FA-9B8A58129F15}"/>
+                <a16:creationId xmlns:a16="http://schemas.microsoft.com/office/drawing/2014/main" id="{54FDE6F1-F590-0EE0-92C8-6F8BE1032FA5}"/>
               </a:ext>
             </a:extLst>
           </p:cNvPr>
@@ -434,7 +434,7 @@
           <p:cNvPr id="4" name="日期占位符 3">
             <a:extLst>
               <a:ext uri="{FF2B5EF4-FFF2-40B4-BE49-F238E27FC236}">
-                <a16:creationId xmlns:a16="http://schemas.microsoft.com/office/drawing/2014/main" id="{67C4A1DD-4495-2835-CF11-6830DB47109A}"/>
+                <a16:creationId xmlns:a16="http://schemas.microsoft.com/office/drawing/2014/main" id="{16B777B8-0ADC-D587-891E-A221DADEB86F}"/>
               </a:ext>
             </a:extLst>
           </p:cNvPr>
@@ -450,7 +450,7 @@
           <a:bodyPr/>
           <a:lstStyle/>
           <a:p>
-            <a:fld id="{57414969-10EE-434C-A06F-3E12DDAB1E92}" type="datetimeFigureOut">
+            <a:fld id="{0EF5D0CA-801D-41D9-83CB-88966ABB5BA8}" type="datetimeFigureOut">
               <a:rPr lang="zh-CN" altLang="en-US" smtClean="0"/>
               <a:t>2024/3/10</a:t>
             </a:fld>
@@ -463,7 +463,7 @@
           <p:cNvPr id="5" name="页脚占位符 4">
             <a:extLst>
               <a:ext uri="{FF2B5EF4-FFF2-40B4-BE49-F238E27FC236}">
-                <a16:creationId xmlns:a16="http://schemas.microsoft.com/office/drawing/2014/main" id="{FFF89BC8-2301-4485-EC4C-53BF7D8EB207}"/>
+                <a16:creationId xmlns:a16="http://schemas.microsoft.com/office/drawing/2014/main" id="{6D1BD818-1D0A-586A-3295-16D89426BD9E}"/>
               </a:ext>
             </a:extLst>
           </p:cNvPr>
@@ -488,7 +488,7 @@
           <p:cNvPr id="6" name="灯片编号占位符 5">
             <a:extLst>
               <a:ext uri="{FF2B5EF4-FFF2-40B4-BE49-F238E27FC236}">
-                <a16:creationId xmlns:a16="http://schemas.microsoft.com/office/drawing/2014/main" id="{289BB37A-25C9-58C8-8846-7DDC9480212A}"/>
+                <a16:creationId xmlns:a16="http://schemas.microsoft.com/office/drawing/2014/main" id="{94591BE2-632D-FC22-C8DD-C8198C302C83}"/>
               </a:ext>
             </a:extLst>
           </p:cNvPr>
@@ -504,7 +504,7 @@
           <a:bodyPr/>
           <a:lstStyle/>
           <a:p>
-            <a:fld id="{DEEB45C2-BECD-4472-B16F-9E9C39078D98}" type="slidenum">
+            <a:fld id="{B8BB780F-717F-4A4A-A2CD-C673888AB118}" type="slidenum">
               <a:rPr lang="zh-CN" altLang="en-US" smtClean="0"/>
               <a:t>‹#›</a:t>
             </a:fld>
@@ -515,7 +515,7 @@
     </p:spTree>
     <p:extLst>
       <p:ext uri="{BB962C8B-B14F-4D97-AF65-F5344CB8AC3E}">
-        <p14:creationId xmlns:p14="http://schemas.microsoft.com/office/powerpoint/2010/main" val="1788624262"/>
+        <p14:creationId xmlns:p14="http://schemas.microsoft.com/office/powerpoint/2010/main" val="124906279"/>
       </p:ext>
     </p:extLst>
   </p:cSld>
@@ -547,7 +547,7 @@
           <p:cNvPr id="2" name="竖排标题 1">
             <a:extLst>
               <a:ext uri="{FF2B5EF4-FFF2-40B4-BE49-F238E27FC236}">
-                <a16:creationId xmlns:a16="http://schemas.microsoft.com/office/drawing/2014/main" id="{2E46BAA5-6438-A9EF-8B6E-C63A5BC7E341}"/>
+                <a16:creationId xmlns:a16="http://schemas.microsoft.com/office/drawing/2014/main" id="{167E1FDA-6F91-DC65-04D8-A4E6D6CE27E7}"/>
               </a:ext>
             </a:extLst>
           </p:cNvPr>
@@ -580,7 +580,7 @@
           <p:cNvPr id="3" name="竖排文字占位符 2">
             <a:extLst>
               <a:ext uri="{FF2B5EF4-FFF2-40B4-BE49-F238E27FC236}">
-                <a16:creationId xmlns:a16="http://schemas.microsoft.com/office/drawing/2014/main" id="{9C2C12AC-5F4F-5489-2A4D-F5D8D7B21983}"/>
+                <a16:creationId xmlns:a16="http://schemas.microsoft.com/office/drawing/2014/main" id="{9E4356A2-74A5-E632-1337-1C3F3E153DD9}"/>
               </a:ext>
             </a:extLst>
           </p:cNvPr>
@@ -642,7 +642,7 @@
           <p:cNvPr id="4" name="日期占位符 3">
             <a:extLst>
               <a:ext uri="{FF2B5EF4-FFF2-40B4-BE49-F238E27FC236}">
-                <a16:creationId xmlns:a16="http://schemas.microsoft.com/office/drawing/2014/main" id="{CFA90138-9BD3-1681-DB14-E84F7508D6D2}"/>
+                <a16:creationId xmlns:a16="http://schemas.microsoft.com/office/drawing/2014/main" id="{51133D6C-CDAD-49EA-F4CF-A73FF270413A}"/>
               </a:ext>
             </a:extLst>
           </p:cNvPr>
@@ -658,7 +658,7 @@
           <a:bodyPr/>
           <a:lstStyle/>
           <a:p>
-            <a:fld id="{57414969-10EE-434C-A06F-3E12DDAB1E92}" type="datetimeFigureOut">
+            <a:fld id="{0EF5D0CA-801D-41D9-83CB-88966ABB5BA8}" type="datetimeFigureOut">
               <a:rPr lang="zh-CN" altLang="en-US" smtClean="0"/>
               <a:t>2024/3/10</a:t>
             </a:fld>
@@ -671,7 +671,7 @@
           <p:cNvPr id="5" name="页脚占位符 4">
             <a:extLst>
               <a:ext uri="{FF2B5EF4-FFF2-40B4-BE49-F238E27FC236}">
-                <a16:creationId xmlns:a16="http://schemas.microsoft.com/office/drawing/2014/main" id="{3CA3A643-D1EF-9032-5AC4-CCA376668789}"/>
+                <a16:creationId xmlns:a16="http://schemas.microsoft.com/office/drawing/2014/main" id="{2BCAF22D-B4FD-9009-AC2A-D26F5A3C3F1C}"/>
               </a:ext>
             </a:extLst>
           </p:cNvPr>
@@ -696,7 +696,7 @@
           <p:cNvPr id="6" name="灯片编号占位符 5">
             <a:extLst>
               <a:ext uri="{FF2B5EF4-FFF2-40B4-BE49-F238E27FC236}">
-                <a16:creationId xmlns:a16="http://schemas.microsoft.com/office/drawing/2014/main" id="{BC3B2609-0C6F-880C-0997-7B6E40813AB8}"/>
+                <a16:creationId xmlns:a16="http://schemas.microsoft.com/office/drawing/2014/main" id="{2D0ACDAE-AF09-2A86-2A2C-4A33B59F2024}"/>
               </a:ext>
             </a:extLst>
           </p:cNvPr>
@@ -712,7 +712,7 @@
           <a:bodyPr/>
           <a:lstStyle/>
           <a:p>
-            <a:fld id="{DEEB45C2-BECD-4472-B16F-9E9C39078D98}" type="slidenum">
+            <a:fld id="{B8BB780F-717F-4A4A-A2CD-C673888AB118}" type="slidenum">
               <a:rPr lang="zh-CN" altLang="en-US" smtClean="0"/>
               <a:t>‹#›</a:t>
             </a:fld>
@@ -723,7 +723,7 @@
     </p:spTree>
     <p:extLst>
       <p:ext uri="{BB962C8B-B14F-4D97-AF65-F5344CB8AC3E}">
-        <p14:creationId xmlns:p14="http://schemas.microsoft.com/office/powerpoint/2010/main" val="3219755394"/>
+        <p14:creationId xmlns:p14="http://schemas.microsoft.com/office/powerpoint/2010/main" val="4267179525"/>
       </p:ext>
     </p:extLst>
   </p:cSld>
@@ -755,7 +755,7 @@
           <p:cNvPr id="2" name="标题 1">
             <a:extLst>
               <a:ext uri="{FF2B5EF4-FFF2-40B4-BE49-F238E27FC236}">
-                <a16:creationId xmlns:a16="http://schemas.microsoft.com/office/drawing/2014/main" id="{55D8A060-BF05-0D79-4D4C-55F8CADFC64A}"/>
+                <a16:creationId xmlns:a16="http://schemas.microsoft.com/office/drawing/2014/main" id="{18F5D3FB-F8C0-5242-6E29-3CEE07CD7B32}"/>
               </a:ext>
             </a:extLst>
           </p:cNvPr>
@@ -783,7 +783,7 @@
           <p:cNvPr id="3" name="内容占位符 2">
             <a:extLst>
               <a:ext uri="{FF2B5EF4-FFF2-40B4-BE49-F238E27FC236}">
-                <a16:creationId xmlns:a16="http://schemas.microsoft.com/office/drawing/2014/main" id="{F17672A9-BFE5-96E9-925C-48EC027C7D02}"/>
+                <a16:creationId xmlns:a16="http://schemas.microsoft.com/office/drawing/2014/main" id="{B268D7F2-9844-C107-0DD1-5977A929C4B6}"/>
               </a:ext>
             </a:extLst>
           </p:cNvPr>
@@ -840,7 +840,7 @@
           <p:cNvPr id="4" name="日期占位符 3">
             <a:extLst>
               <a:ext uri="{FF2B5EF4-FFF2-40B4-BE49-F238E27FC236}">
-                <a16:creationId xmlns:a16="http://schemas.microsoft.com/office/drawing/2014/main" id="{CE4AE61B-049C-BD31-B331-5C256FAA3C48}"/>
+                <a16:creationId xmlns:a16="http://schemas.microsoft.com/office/drawing/2014/main" id="{EE5F324A-848D-836C-008D-2DF9F1474BAD}"/>
               </a:ext>
             </a:extLst>
           </p:cNvPr>
@@ -856,7 +856,7 @@
           <a:bodyPr/>
           <a:lstStyle/>
           <a:p>
-            <a:fld id="{57414969-10EE-434C-A06F-3E12DDAB1E92}" type="datetimeFigureOut">
+            <a:fld id="{0EF5D0CA-801D-41D9-83CB-88966ABB5BA8}" type="datetimeFigureOut">
               <a:rPr lang="zh-CN" altLang="en-US" smtClean="0"/>
               <a:t>2024/3/10</a:t>
             </a:fld>
@@ -869,7 +869,7 @@
           <p:cNvPr id="5" name="页脚占位符 4">
             <a:extLst>
               <a:ext uri="{FF2B5EF4-FFF2-40B4-BE49-F238E27FC236}">
-                <a16:creationId xmlns:a16="http://schemas.microsoft.com/office/drawing/2014/main" id="{5B0CCC5F-5F19-FDE0-234F-39757556B330}"/>
+                <a16:creationId xmlns:a16="http://schemas.microsoft.com/office/drawing/2014/main" id="{E212362E-0A8F-EFED-8977-7EF1B72E5C72}"/>
               </a:ext>
             </a:extLst>
           </p:cNvPr>
@@ -894,7 +894,7 @@
           <p:cNvPr id="6" name="灯片编号占位符 5">
             <a:extLst>
               <a:ext uri="{FF2B5EF4-FFF2-40B4-BE49-F238E27FC236}">
-                <a16:creationId xmlns:a16="http://schemas.microsoft.com/office/drawing/2014/main" id="{3CC6A329-729F-5EB2-FB30-AB31749324C1}"/>
+                <a16:creationId xmlns:a16="http://schemas.microsoft.com/office/drawing/2014/main" id="{32929A51-7B0F-1FFC-9A4C-449A176A772B}"/>
               </a:ext>
             </a:extLst>
           </p:cNvPr>
@@ -910,7 +910,7 @@
           <a:bodyPr/>
           <a:lstStyle/>
           <a:p>
-            <a:fld id="{DEEB45C2-BECD-4472-B16F-9E9C39078D98}" type="slidenum">
+            <a:fld id="{B8BB780F-717F-4A4A-A2CD-C673888AB118}" type="slidenum">
               <a:rPr lang="zh-CN" altLang="en-US" smtClean="0"/>
               <a:t>‹#›</a:t>
             </a:fld>
@@ -921,7 +921,7 @@
     </p:spTree>
     <p:extLst>
       <p:ext uri="{BB962C8B-B14F-4D97-AF65-F5344CB8AC3E}">
-        <p14:creationId xmlns:p14="http://schemas.microsoft.com/office/powerpoint/2010/main" val="4193163549"/>
+        <p14:creationId xmlns:p14="http://schemas.microsoft.com/office/powerpoint/2010/main" val="3755219664"/>
       </p:ext>
     </p:extLst>
   </p:cSld>
@@ -953,7 +953,7 @@
           <p:cNvPr id="2" name="标题 1">
             <a:extLst>
               <a:ext uri="{FF2B5EF4-FFF2-40B4-BE49-F238E27FC236}">
-                <a16:creationId xmlns:a16="http://schemas.microsoft.com/office/drawing/2014/main" id="{31C59A02-F081-B13D-BB32-A3DE57C81945}"/>
+                <a16:creationId xmlns:a16="http://schemas.microsoft.com/office/drawing/2014/main" id="{364266FB-41C7-4A2A-A79C-52D392FC4FE4}"/>
               </a:ext>
             </a:extLst>
           </p:cNvPr>
@@ -990,7 +990,7 @@
           <p:cNvPr id="3" name="文本占位符 2">
             <a:extLst>
               <a:ext uri="{FF2B5EF4-FFF2-40B4-BE49-F238E27FC236}">
-                <a16:creationId xmlns:a16="http://schemas.microsoft.com/office/drawing/2014/main" id="{465AC63C-0CCF-0F2E-371C-34A6B2BB9F92}"/>
+                <a16:creationId xmlns:a16="http://schemas.microsoft.com/office/drawing/2014/main" id="{0A67CCEA-56DA-9AEA-80E8-F476A18D41F0}"/>
               </a:ext>
             </a:extLst>
           </p:cNvPr>
@@ -1115,7 +1115,7 @@
           <p:cNvPr id="4" name="日期占位符 3">
             <a:extLst>
               <a:ext uri="{FF2B5EF4-FFF2-40B4-BE49-F238E27FC236}">
-                <a16:creationId xmlns:a16="http://schemas.microsoft.com/office/drawing/2014/main" id="{86389B36-E764-064D-FCE0-30E7FD019B8F}"/>
+                <a16:creationId xmlns:a16="http://schemas.microsoft.com/office/drawing/2014/main" id="{B9746B08-396F-535B-CC95-0838C01EAFE3}"/>
               </a:ext>
             </a:extLst>
           </p:cNvPr>
@@ -1131,7 +1131,7 @@
           <a:bodyPr/>
           <a:lstStyle/>
           <a:p>
-            <a:fld id="{57414969-10EE-434C-A06F-3E12DDAB1E92}" type="datetimeFigureOut">
+            <a:fld id="{0EF5D0CA-801D-41D9-83CB-88966ABB5BA8}" type="datetimeFigureOut">
               <a:rPr lang="zh-CN" altLang="en-US" smtClean="0"/>
               <a:t>2024/3/10</a:t>
             </a:fld>
@@ -1144,7 +1144,7 @@
           <p:cNvPr id="5" name="页脚占位符 4">
             <a:extLst>
               <a:ext uri="{FF2B5EF4-FFF2-40B4-BE49-F238E27FC236}">
-                <a16:creationId xmlns:a16="http://schemas.microsoft.com/office/drawing/2014/main" id="{D67A5EC5-5563-5529-39E6-863CB1FE5C7A}"/>
+                <a16:creationId xmlns:a16="http://schemas.microsoft.com/office/drawing/2014/main" id="{0B676B68-1B71-72D4-10C2-021FC2161F94}"/>
               </a:ext>
             </a:extLst>
           </p:cNvPr>
@@ -1169,7 +1169,7 @@
           <p:cNvPr id="6" name="灯片编号占位符 5">
             <a:extLst>
               <a:ext uri="{FF2B5EF4-FFF2-40B4-BE49-F238E27FC236}">
-                <a16:creationId xmlns:a16="http://schemas.microsoft.com/office/drawing/2014/main" id="{FD84886B-3526-A601-5A31-A10C9E105055}"/>
+                <a16:creationId xmlns:a16="http://schemas.microsoft.com/office/drawing/2014/main" id="{C86EF92E-A028-17EF-2287-73911407A4BA}"/>
               </a:ext>
             </a:extLst>
           </p:cNvPr>
@@ -1185,7 +1185,7 @@
           <a:bodyPr/>
           <a:lstStyle/>
           <a:p>
-            <a:fld id="{DEEB45C2-BECD-4472-B16F-9E9C39078D98}" type="slidenum">
+            <a:fld id="{B8BB780F-717F-4A4A-A2CD-C673888AB118}" type="slidenum">
               <a:rPr lang="zh-CN" altLang="en-US" smtClean="0"/>
               <a:t>‹#›</a:t>
             </a:fld>
@@ -1196,7 +1196,7 @@
     </p:spTree>
     <p:extLst>
       <p:ext uri="{BB962C8B-B14F-4D97-AF65-F5344CB8AC3E}">
-        <p14:creationId xmlns:p14="http://schemas.microsoft.com/office/powerpoint/2010/main" val="1877023155"/>
+        <p14:creationId xmlns:p14="http://schemas.microsoft.com/office/powerpoint/2010/main" val="785073223"/>
       </p:ext>
     </p:extLst>
   </p:cSld>
@@ -1228,7 +1228,7 @@
           <p:cNvPr id="2" name="标题 1">
             <a:extLst>
               <a:ext uri="{FF2B5EF4-FFF2-40B4-BE49-F238E27FC236}">
-                <a16:creationId xmlns:a16="http://schemas.microsoft.com/office/drawing/2014/main" id="{8E97B9F8-4499-222A-132D-294BCD8D55E9}"/>
+                <a16:creationId xmlns:a16="http://schemas.microsoft.com/office/drawing/2014/main" id="{45261D25-B234-6551-23A4-7C20E7DC138D}"/>
               </a:ext>
             </a:extLst>
           </p:cNvPr>
@@ -1256,7 +1256,7 @@
           <p:cNvPr id="3" name="内容占位符 2">
             <a:extLst>
               <a:ext uri="{FF2B5EF4-FFF2-40B4-BE49-F238E27FC236}">
-                <a16:creationId xmlns:a16="http://schemas.microsoft.com/office/drawing/2014/main" id="{46C32E67-DAFA-53C5-2C09-5454F8505A54}"/>
+                <a16:creationId xmlns:a16="http://schemas.microsoft.com/office/drawing/2014/main" id="{9B5A64BB-299D-0128-CC2E-E98A5B98EA8F}"/>
               </a:ext>
             </a:extLst>
           </p:cNvPr>
@@ -1318,7 +1318,7 @@
           <p:cNvPr id="4" name="内容占位符 3">
             <a:extLst>
               <a:ext uri="{FF2B5EF4-FFF2-40B4-BE49-F238E27FC236}">
-                <a16:creationId xmlns:a16="http://schemas.microsoft.com/office/drawing/2014/main" id="{04249D65-EB9B-C6C6-B6E8-526383208FCD}"/>
+                <a16:creationId xmlns:a16="http://schemas.microsoft.com/office/drawing/2014/main" id="{EA76E8AC-262A-6DEA-966D-B8C3FD979067}"/>
               </a:ext>
             </a:extLst>
           </p:cNvPr>
@@ -1380,7 +1380,7 @@
           <p:cNvPr id="5" name="日期占位符 4">
             <a:extLst>
               <a:ext uri="{FF2B5EF4-FFF2-40B4-BE49-F238E27FC236}">
-                <a16:creationId xmlns:a16="http://schemas.microsoft.com/office/drawing/2014/main" id="{4E84C63D-D77A-2DAB-C48F-D803CC4FF396}"/>
+                <a16:creationId xmlns:a16="http://schemas.microsoft.com/office/drawing/2014/main" id="{9F97AC61-61F8-3292-FD57-6FF844187067}"/>
               </a:ext>
             </a:extLst>
           </p:cNvPr>
@@ -1396,7 +1396,7 @@
           <a:bodyPr/>
           <a:lstStyle/>
           <a:p>
-            <a:fld id="{57414969-10EE-434C-A06F-3E12DDAB1E92}" type="datetimeFigureOut">
+            <a:fld id="{0EF5D0CA-801D-41D9-83CB-88966ABB5BA8}" type="datetimeFigureOut">
               <a:rPr lang="zh-CN" altLang="en-US" smtClean="0"/>
               <a:t>2024/3/10</a:t>
             </a:fld>
@@ -1409,7 +1409,7 @@
           <p:cNvPr id="6" name="页脚占位符 5">
             <a:extLst>
               <a:ext uri="{FF2B5EF4-FFF2-40B4-BE49-F238E27FC236}">
-                <a16:creationId xmlns:a16="http://schemas.microsoft.com/office/drawing/2014/main" id="{5C0901ED-59BB-4E5B-64EB-0BB39BB16ACA}"/>
+                <a16:creationId xmlns:a16="http://schemas.microsoft.com/office/drawing/2014/main" id="{52CDDB98-CB6C-D5F8-3B1E-2B30D6FBF51D}"/>
               </a:ext>
             </a:extLst>
           </p:cNvPr>
@@ -1434,7 +1434,7 @@
           <p:cNvPr id="7" name="灯片编号占位符 6">
             <a:extLst>
               <a:ext uri="{FF2B5EF4-FFF2-40B4-BE49-F238E27FC236}">
-                <a16:creationId xmlns:a16="http://schemas.microsoft.com/office/drawing/2014/main" id="{B73C6802-3BE3-6867-BC08-AAD819EFE31E}"/>
+                <a16:creationId xmlns:a16="http://schemas.microsoft.com/office/drawing/2014/main" id="{8EA0B810-4EC7-4940-6F46-F9257ECB2DC9}"/>
               </a:ext>
             </a:extLst>
           </p:cNvPr>
@@ -1450,7 +1450,7 @@
           <a:bodyPr/>
           <a:lstStyle/>
           <a:p>
-            <a:fld id="{DEEB45C2-BECD-4472-B16F-9E9C39078D98}" type="slidenum">
+            <a:fld id="{B8BB780F-717F-4A4A-A2CD-C673888AB118}" type="slidenum">
               <a:rPr lang="zh-CN" altLang="en-US" smtClean="0"/>
               <a:t>‹#›</a:t>
             </a:fld>
@@ -1461,7 +1461,7 @@
     </p:spTree>
     <p:extLst>
       <p:ext uri="{BB962C8B-B14F-4D97-AF65-F5344CB8AC3E}">
-        <p14:creationId xmlns:p14="http://schemas.microsoft.com/office/powerpoint/2010/main" val="979073391"/>
+        <p14:creationId xmlns:p14="http://schemas.microsoft.com/office/powerpoint/2010/main" val="1172735399"/>
       </p:ext>
     </p:extLst>
   </p:cSld>
@@ -1493,7 +1493,7 @@
           <p:cNvPr id="2" name="标题 1">
             <a:extLst>
               <a:ext uri="{FF2B5EF4-FFF2-40B4-BE49-F238E27FC236}">
-                <a16:creationId xmlns:a16="http://schemas.microsoft.com/office/drawing/2014/main" id="{AC5D1706-77A1-A7D7-7678-643027351A04}"/>
+                <a16:creationId xmlns:a16="http://schemas.microsoft.com/office/drawing/2014/main" id="{24023262-09C6-6668-1FF3-A411FA5C805E}"/>
               </a:ext>
             </a:extLst>
           </p:cNvPr>
@@ -1526,7 +1526,7 @@
           <p:cNvPr id="3" name="文本占位符 2">
             <a:extLst>
               <a:ext uri="{FF2B5EF4-FFF2-40B4-BE49-F238E27FC236}">
-                <a16:creationId xmlns:a16="http://schemas.microsoft.com/office/drawing/2014/main" id="{87085488-B67F-2137-FC43-EB1CD4E4977F}"/>
+                <a16:creationId xmlns:a16="http://schemas.microsoft.com/office/drawing/2014/main" id="{3BA93A1B-C574-CCBE-994C-87E87185E602}"/>
               </a:ext>
             </a:extLst>
           </p:cNvPr>
@@ -1597,7 +1597,7 @@
           <p:cNvPr id="4" name="内容占位符 3">
             <a:extLst>
               <a:ext uri="{FF2B5EF4-FFF2-40B4-BE49-F238E27FC236}">
-                <a16:creationId xmlns:a16="http://schemas.microsoft.com/office/drawing/2014/main" id="{6843D9D1-CC7F-2C80-CDF1-E592C827C861}"/>
+                <a16:creationId xmlns:a16="http://schemas.microsoft.com/office/drawing/2014/main" id="{DA1C469C-639C-4719-1B05-CB5BEB01A29E}"/>
               </a:ext>
             </a:extLst>
           </p:cNvPr>
@@ -1659,7 +1659,7 @@
           <p:cNvPr id="5" name="文本占位符 4">
             <a:extLst>
               <a:ext uri="{FF2B5EF4-FFF2-40B4-BE49-F238E27FC236}">
-                <a16:creationId xmlns:a16="http://schemas.microsoft.com/office/drawing/2014/main" id="{E6098FAD-01DA-0319-4D5D-DE3ABB2E8416}"/>
+                <a16:creationId xmlns:a16="http://schemas.microsoft.com/office/drawing/2014/main" id="{10897F6B-1DEC-19B3-85DF-BA5E637613E8}"/>
               </a:ext>
             </a:extLst>
           </p:cNvPr>
@@ -1730,7 +1730,7 @@
           <p:cNvPr id="6" name="内容占位符 5">
             <a:extLst>
               <a:ext uri="{FF2B5EF4-FFF2-40B4-BE49-F238E27FC236}">
-                <a16:creationId xmlns:a16="http://schemas.microsoft.com/office/drawing/2014/main" id="{26C5F673-D3FB-78B1-AB53-A9D91804F1B9}"/>
+                <a16:creationId xmlns:a16="http://schemas.microsoft.com/office/drawing/2014/main" id="{61F4E953-4C98-3E2C-E16F-74F1A2D105C8}"/>
               </a:ext>
             </a:extLst>
           </p:cNvPr>
@@ -1792,7 +1792,7 @@
           <p:cNvPr id="7" name="日期占位符 6">
             <a:extLst>
               <a:ext uri="{FF2B5EF4-FFF2-40B4-BE49-F238E27FC236}">
-                <a16:creationId xmlns:a16="http://schemas.microsoft.com/office/drawing/2014/main" id="{43C364E3-55A4-545B-2D2A-539DFD86E0BC}"/>
+                <a16:creationId xmlns:a16="http://schemas.microsoft.com/office/drawing/2014/main" id="{EB58D550-A9BE-9E5E-0B27-8BDFCB14C12E}"/>
               </a:ext>
             </a:extLst>
           </p:cNvPr>
@@ -1808,7 +1808,7 @@
           <a:bodyPr/>
           <a:lstStyle/>
           <a:p>
-            <a:fld id="{57414969-10EE-434C-A06F-3E12DDAB1E92}" type="datetimeFigureOut">
+            <a:fld id="{0EF5D0CA-801D-41D9-83CB-88966ABB5BA8}" type="datetimeFigureOut">
               <a:rPr lang="zh-CN" altLang="en-US" smtClean="0"/>
               <a:t>2024/3/10</a:t>
             </a:fld>
@@ -1821,7 +1821,7 @@
           <p:cNvPr id="8" name="页脚占位符 7">
             <a:extLst>
               <a:ext uri="{FF2B5EF4-FFF2-40B4-BE49-F238E27FC236}">
-                <a16:creationId xmlns:a16="http://schemas.microsoft.com/office/drawing/2014/main" id="{6C6934B4-B1A5-4D89-C7C7-5FD2FC4D0058}"/>
+                <a16:creationId xmlns:a16="http://schemas.microsoft.com/office/drawing/2014/main" id="{E498590A-0D30-4062-C005-1B6B4C8249E6}"/>
               </a:ext>
             </a:extLst>
           </p:cNvPr>
@@ -1846,7 +1846,7 @@
           <p:cNvPr id="9" name="灯片编号占位符 8">
             <a:extLst>
               <a:ext uri="{FF2B5EF4-FFF2-40B4-BE49-F238E27FC236}">
-                <a16:creationId xmlns:a16="http://schemas.microsoft.com/office/drawing/2014/main" id="{FFEAA463-E4F1-F81B-87F1-04253777989D}"/>
+                <a16:creationId xmlns:a16="http://schemas.microsoft.com/office/drawing/2014/main" id="{DFA4A74D-73D5-1017-1A74-0C9CDCE211CC}"/>
               </a:ext>
             </a:extLst>
           </p:cNvPr>
@@ -1862,7 +1862,7 @@
           <a:bodyPr/>
           <a:lstStyle/>
           <a:p>
-            <a:fld id="{DEEB45C2-BECD-4472-B16F-9E9C39078D98}" type="slidenum">
+            <a:fld id="{B8BB780F-717F-4A4A-A2CD-C673888AB118}" type="slidenum">
               <a:rPr lang="zh-CN" altLang="en-US" smtClean="0"/>
               <a:t>‹#›</a:t>
             </a:fld>
@@ -1873,7 +1873,7 @@
     </p:spTree>
     <p:extLst>
       <p:ext uri="{BB962C8B-B14F-4D97-AF65-F5344CB8AC3E}">
-        <p14:creationId xmlns:p14="http://schemas.microsoft.com/office/powerpoint/2010/main" val="291653584"/>
+        <p14:creationId xmlns:p14="http://schemas.microsoft.com/office/powerpoint/2010/main" val="2674340499"/>
       </p:ext>
     </p:extLst>
   </p:cSld>
@@ -1905,7 +1905,7 @@
           <p:cNvPr id="2" name="标题 1">
             <a:extLst>
               <a:ext uri="{FF2B5EF4-FFF2-40B4-BE49-F238E27FC236}">
-                <a16:creationId xmlns:a16="http://schemas.microsoft.com/office/drawing/2014/main" id="{77743FE9-2A8D-6554-9D77-D4CC57BDA6B0}"/>
+                <a16:creationId xmlns:a16="http://schemas.microsoft.com/office/drawing/2014/main" id="{4061A277-887E-A95C-C589-B47AC66275FA}"/>
               </a:ext>
             </a:extLst>
           </p:cNvPr>
@@ -1933,7 +1933,7 @@
           <p:cNvPr id="3" name="日期占位符 2">
             <a:extLst>
               <a:ext uri="{FF2B5EF4-FFF2-40B4-BE49-F238E27FC236}">
-                <a16:creationId xmlns:a16="http://schemas.microsoft.com/office/drawing/2014/main" id="{97DA9272-9D80-CEA8-46AB-1582096D9798}"/>
+                <a16:creationId xmlns:a16="http://schemas.microsoft.com/office/drawing/2014/main" id="{FA36BDC5-8544-6050-5650-276A4CC6A07D}"/>
               </a:ext>
             </a:extLst>
           </p:cNvPr>
@@ -1949,7 +1949,7 @@
           <a:bodyPr/>
           <a:lstStyle/>
           <a:p>
-            <a:fld id="{57414969-10EE-434C-A06F-3E12DDAB1E92}" type="datetimeFigureOut">
+            <a:fld id="{0EF5D0CA-801D-41D9-83CB-88966ABB5BA8}" type="datetimeFigureOut">
               <a:rPr lang="zh-CN" altLang="en-US" smtClean="0"/>
               <a:t>2024/3/10</a:t>
             </a:fld>
@@ -1962,7 +1962,7 @@
           <p:cNvPr id="4" name="页脚占位符 3">
             <a:extLst>
               <a:ext uri="{FF2B5EF4-FFF2-40B4-BE49-F238E27FC236}">
-                <a16:creationId xmlns:a16="http://schemas.microsoft.com/office/drawing/2014/main" id="{41046477-1D36-187A-48AA-ADDEA8981EC9}"/>
+                <a16:creationId xmlns:a16="http://schemas.microsoft.com/office/drawing/2014/main" id="{697ED930-6F8F-3CC7-03E0-3A36D0082188}"/>
               </a:ext>
             </a:extLst>
           </p:cNvPr>
@@ -1987,7 +1987,7 @@
           <p:cNvPr id="5" name="灯片编号占位符 4">
             <a:extLst>
               <a:ext uri="{FF2B5EF4-FFF2-40B4-BE49-F238E27FC236}">
-                <a16:creationId xmlns:a16="http://schemas.microsoft.com/office/drawing/2014/main" id="{BEAFD5CF-4580-3A77-3630-2F2954EE2940}"/>
+                <a16:creationId xmlns:a16="http://schemas.microsoft.com/office/drawing/2014/main" id="{7DB9B724-329F-5435-206E-CE9F7DEDED38}"/>
               </a:ext>
             </a:extLst>
           </p:cNvPr>
@@ -2003,7 +2003,7 @@
           <a:bodyPr/>
           <a:lstStyle/>
           <a:p>
-            <a:fld id="{DEEB45C2-BECD-4472-B16F-9E9C39078D98}" type="slidenum">
+            <a:fld id="{B8BB780F-717F-4A4A-A2CD-C673888AB118}" type="slidenum">
               <a:rPr lang="zh-CN" altLang="en-US" smtClean="0"/>
               <a:t>‹#›</a:t>
             </a:fld>
@@ -2014,7 +2014,7 @@
     </p:spTree>
     <p:extLst>
       <p:ext uri="{BB962C8B-B14F-4D97-AF65-F5344CB8AC3E}">
-        <p14:creationId xmlns:p14="http://schemas.microsoft.com/office/powerpoint/2010/main" val="3275329524"/>
+        <p14:creationId xmlns:p14="http://schemas.microsoft.com/office/powerpoint/2010/main" val="822718749"/>
       </p:ext>
     </p:extLst>
   </p:cSld>
@@ -2046,7 +2046,7 @@
           <p:cNvPr id="2" name="日期占位符 1">
             <a:extLst>
               <a:ext uri="{FF2B5EF4-FFF2-40B4-BE49-F238E27FC236}">
-                <a16:creationId xmlns:a16="http://schemas.microsoft.com/office/drawing/2014/main" id="{D4B8FF4E-4152-1616-87DB-D8CA1C490F3B}"/>
+                <a16:creationId xmlns:a16="http://schemas.microsoft.com/office/drawing/2014/main" id="{1C017AE2-8E56-FD01-B084-3F0DDDDE616C}"/>
               </a:ext>
             </a:extLst>
           </p:cNvPr>
@@ -2062,7 +2062,7 @@
           <a:bodyPr/>
           <a:lstStyle/>
           <a:p>
-            <a:fld id="{57414969-10EE-434C-A06F-3E12DDAB1E92}" type="datetimeFigureOut">
+            <a:fld id="{0EF5D0CA-801D-41D9-83CB-88966ABB5BA8}" type="datetimeFigureOut">
               <a:rPr lang="zh-CN" altLang="en-US" smtClean="0"/>
               <a:t>2024/3/10</a:t>
             </a:fld>
@@ -2075,7 +2075,7 @@
           <p:cNvPr id="3" name="页脚占位符 2">
             <a:extLst>
               <a:ext uri="{FF2B5EF4-FFF2-40B4-BE49-F238E27FC236}">
-                <a16:creationId xmlns:a16="http://schemas.microsoft.com/office/drawing/2014/main" id="{5917FCDC-29D3-A722-E7FB-8183ED0C444B}"/>
+                <a16:creationId xmlns:a16="http://schemas.microsoft.com/office/drawing/2014/main" id="{C5A2F2EE-3F20-C20C-E683-38F9A28E1E11}"/>
               </a:ext>
             </a:extLst>
           </p:cNvPr>
@@ -2100,7 +2100,7 @@
           <p:cNvPr id="4" name="灯片编号占位符 3">
             <a:extLst>
               <a:ext uri="{FF2B5EF4-FFF2-40B4-BE49-F238E27FC236}">
-                <a16:creationId xmlns:a16="http://schemas.microsoft.com/office/drawing/2014/main" id="{36F6884E-7CB1-7C60-3E42-54578A79DC28}"/>
+                <a16:creationId xmlns:a16="http://schemas.microsoft.com/office/drawing/2014/main" id="{8367E544-FF8D-699E-F53D-BE13B404159D}"/>
               </a:ext>
             </a:extLst>
           </p:cNvPr>
@@ -2116,7 +2116,7 @@
           <a:bodyPr/>
           <a:lstStyle/>
           <a:p>
-            <a:fld id="{DEEB45C2-BECD-4472-B16F-9E9C39078D98}" type="slidenum">
+            <a:fld id="{B8BB780F-717F-4A4A-A2CD-C673888AB118}" type="slidenum">
               <a:rPr lang="zh-CN" altLang="en-US" smtClean="0"/>
               <a:t>‹#›</a:t>
             </a:fld>
@@ -2127,7 +2127,7 @@
     </p:spTree>
     <p:extLst>
       <p:ext uri="{BB962C8B-B14F-4D97-AF65-F5344CB8AC3E}">
-        <p14:creationId xmlns:p14="http://schemas.microsoft.com/office/powerpoint/2010/main" val="3369369238"/>
+        <p14:creationId xmlns:p14="http://schemas.microsoft.com/office/powerpoint/2010/main" val="2818847541"/>
       </p:ext>
     </p:extLst>
   </p:cSld>
@@ -2159,7 +2159,7 @@
           <p:cNvPr id="2" name="标题 1">
             <a:extLst>
               <a:ext uri="{FF2B5EF4-FFF2-40B4-BE49-F238E27FC236}">
-                <a16:creationId xmlns:a16="http://schemas.microsoft.com/office/drawing/2014/main" id="{8B12AD8D-3A4D-C24C-7567-054411A30111}"/>
+                <a16:creationId xmlns:a16="http://schemas.microsoft.com/office/drawing/2014/main" id="{CC27219F-4DA2-514F-BF07-C3B76223B136}"/>
               </a:ext>
             </a:extLst>
           </p:cNvPr>
@@ -2196,7 +2196,7 @@
           <p:cNvPr id="3" name="内容占位符 2">
             <a:extLst>
               <a:ext uri="{FF2B5EF4-FFF2-40B4-BE49-F238E27FC236}">
-                <a16:creationId xmlns:a16="http://schemas.microsoft.com/office/drawing/2014/main" id="{6E251EA6-F670-04A7-99A9-A1D214A9863B}"/>
+                <a16:creationId xmlns:a16="http://schemas.microsoft.com/office/drawing/2014/main" id="{6315B2EA-011E-35E6-7165-7871985EFCAD}"/>
               </a:ext>
             </a:extLst>
           </p:cNvPr>
@@ -2286,7 +2286,7 @@
           <p:cNvPr id="4" name="文本占位符 3">
             <a:extLst>
               <a:ext uri="{FF2B5EF4-FFF2-40B4-BE49-F238E27FC236}">
-                <a16:creationId xmlns:a16="http://schemas.microsoft.com/office/drawing/2014/main" id="{7C46FBE3-8D91-62DE-E543-C3E7924E48BE}"/>
+                <a16:creationId xmlns:a16="http://schemas.microsoft.com/office/drawing/2014/main" id="{5E55D441-FDE3-4FB9-641D-80A3C0CA78BA}"/>
               </a:ext>
             </a:extLst>
           </p:cNvPr>
@@ -2357,7 +2357,7 @@
           <p:cNvPr id="5" name="日期占位符 4">
             <a:extLst>
               <a:ext uri="{FF2B5EF4-FFF2-40B4-BE49-F238E27FC236}">
-                <a16:creationId xmlns:a16="http://schemas.microsoft.com/office/drawing/2014/main" id="{177C0D7A-FE1B-175F-5B4F-65036EA915CA}"/>
+                <a16:creationId xmlns:a16="http://schemas.microsoft.com/office/drawing/2014/main" id="{4CDED6E8-F69D-BCC7-F5FA-F014EF941DD0}"/>
               </a:ext>
             </a:extLst>
           </p:cNvPr>
@@ -2373,7 +2373,7 @@
           <a:bodyPr/>
           <a:lstStyle/>
           <a:p>
-            <a:fld id="{57414969-10EE-434C-A06F-3E12DDAB1E92}" type="datetimeFigureOut">
+            <a:fld id="{0EF5D0CA-801D-41D9-83CB-88966ABB5BA8}" type="datetimeFigureOut">
               <a:rPr lang="zh-CN" altLang="en-US" smtClean="0"/>
               <a:t>2024/3/10</a:t>
             </a:fld>
@@ -2386,7 +2386,7 @@
           <p:cNvPr id="6" name="页脚占位符 5">
             <a:extLst>
               <a:ext uri="{FF2B5EF4-FFF2-40B4-BE49-F238E27FC236}">
-                <a16:creationId xmlns:a16="http://schemas.microsoft.com/office/drawing/2014/main" id="{56556345-7EEE-0634-092A-D58721BF4A91}"/>
+                <a16:creationId xmlns:a16="http://schemas.microsoft.com/office/drawing/2014/main" id="{88AA44C2-CE1A-C272-60AA-00CDCE37ABC3}"/>
               </a:ext>
             </a:extLst>
           </p:cNvPr>
@@ -2411,7 +2411,7 @@
           <p:cNvPr id="7" name="灯片编号占位符 6">
             <a:extLst>
               <a:ext uri="{FF2B5EF4-FFF2-40B4-BE49-F238E27FC236}">
-                <a16:creationId xmlns:a16="http://schemas.microsoft.com/office/drawing/2014/main" id="{88805DA2-ECB6-F001-DF34-E737E12E92A8}"/>
+                <a16:creationId xmlns:a16="http://schemas.microsoft.com/office/drawing/2014/main" id="{DDE45CA7-0913-AD86-D919-E541523D8B04}"/>
               </a:ext>
             </a:extLst>
           </p:cNvPr>
@@ -2427,7 +2427,7 @@
           <a:bodyPr/>
           <a:lstStyle/>
           <a:p>
-            <a:fld id="{DEEB45C2-BECD-4472-B16F-9E9C39078D98}" type="slidenum">
+            <a:fld id="{B8BB780F-717F-4A4A-A2CD-C673888AB118}" type="slidenum">
               <a:rPr lang="zh-CN" altLang="en-US" smtClean="0"/>
               <a:t>‹#›</a:t>
             </a:fld>
@@ -2438,7 +2438,7 @@
     </p:spTree>
     <p:extLst>
       <p:ext uri="{BB962C8B-B14F-4D97-AF65-F5344CB8AC3E}">
-        <p14:creationId xmlns:p14="http://schemas.microsoft.com/office/powerpoint/2010/main" val="2969740288"/>
+        <p14:creationId xmlns:p14="http://schemas.microsoft.com/office/powerpoint/2010/main" val="1242337008"/>
       </p:ext>
     </p:extLst>
   </p:cSld>
@@ -2470,7 +2470,7 @@
           <p:cNvPr id="2" name="标题 1">
             <a:extLst>
               <a:ext uri="{FF2B5EF4-FFF2-40B4-BE49-F238E27FC236}">
-                <a16:creationId xmlns:a16="http://schemas.microsoft.com/office/drawing/2014/main" id="{6D823D98-5661-E41D-918B-CDB2A8B7C994}"/>
+                <a16:creationId xmlns:a16="http://schemas.microsoft.com/office/drawing/2014/main" id="{AA2581B6-EF57-8599-D82B-2A601072FAFC}"/>
               </a:ext>
             </a:extLst>
           </p:cNvPr>
@@ -2507,7 +2507,7 @@
           <p:cNvPr id="3" name="图片占位符 2">
             <a:extLst>
               <a:ext uri="{FF2B5EF4-FFF2-40B4-BE49-F238E27FC236}">
-                <a16:creationId xmlns:a16="http://schemas.microsoft.com/office/drawing/2014/main" id="{B1C2A630-3FAB-6C49-96EE-947B87EEDAB0}"/>
+                <a16:creationId xmlns:a16="http://schemas.microsoft.com/office/drawing/2014/main" id="{74B70BBB-F2BB-98E1-D7D5-17D328FE8350}"/>
               </a:ext>
             </a:extLst>
           </p:cNvPr>
@@ -2574,7 +2574,7 @@
           <p:cNvPr id="4" name="文本占位符 3">
             <a:extLst>
               <a:ext uri="{FF2B5EF4-FFF2-40B4-BE49-F238E27FC236}">
-                <a16:creationId xmlns:a16="http://schemas.microsoft.com/office/drawing/2014/main" id="{6535B86F-732E-640B-A122-D1A960A397A9}"/>
+                <a16:creationId xmlns:a16="http://schemas.microsoft.com/office/drawing/2014/main" id="{B629F065-DB78-7040-6EC2-1A62F5CDBBC4}"/>
               </a:ext>
             </a:extLst>
           </p:cNvPr>
@@ -2645,7 +2645,7 @@
           <p:cNvPr id="5" name="日期占位符 4">
             <a:extLst>
               <a:ext uri="{FF2B5EF4-FFF2-40B4-BE49-F238E27FC236}">
-                <a16:creationId xmlns:a16="http://schemas.microsoft.com/office/drawing/2014/main" id="{C98AE5C4-99F5-419A-7F1C-4B455555E596}"/>
+                <a16:creationId xmlns:a16="http://schemas.microsoft.com/office/drawing/2014/main" id="{02CB27D0-D934-5EFC-5D8C-9BBE344C1D2C}"/>
               </a:ext>
             </a:extLst>
           </p:cNvPr>
@@ -2661,7 +2661,7 @@
           <a:bodyPr/>
           <a:lstStyle/>
           <a:p>
-            <a:fld id="{57414969-10EE-434C-A06F-3E12DDAB1E92}" type="datetimeFigureOut">
+            <a:fld id="{0EF5D0CA-801D-41D9-83CB-88966ABB5BA8}" type="datetimeFigureOut">
               <a:rPr lang="zh-CN" altLang="en-US" smtClean="0"/>
               <a:t>2024/3/10</a:t>
             </a:fld>
@@ -2674,7 +2674,7 @@
           <p:cNvPr id="6" name="页脚占位符 5">
             <a:extLst>
               <a:ext uri="{FF2B5EF4-FFF2-40B4-BE49-F238E27FC236}">
-                <a16:creationId xmlns:a16="http://schemas.microsoft.com/office/drawing/2014/main" id="{B62B2D61-3186-1FBF-4B93-73B27108822E}"/>
+                <a16:creationId xmlns:a16="http://schemas.microsoft.com/office/drawing/2014/main" id="{35816433-6CFA-3E37-BBC5-9CDAF5A7AE38}"/>
               </a:ext>
             </a:extLst>
           </p:cNvPr>
@@ -2699,7 +2699,7 @@
           <p:cNvPr id="7" name="灯片编号占位符 6">
             <a:extLst>
               <a:ext uri="{FF2B5EF4-FFF2-40B4-BE49-F238E27FC236}">
-                <a16:creationId xmlns:a16="http://schemas.microsoft.com/office/drawing/2014/main" id="{49574CCC-1CB4-A5C3-084A-7F2CE919A1A0}"/>
+                <a16:creationId xmlns:a16="http://schemas.microsoft.com/office/drawing/2014/main" id="{108B28DC-BA1B-BF1C-85DB-4AC531C886D8}"/>
               </a:ext>
             </a:extLst>
           </p:cNvPr>
@@ -2715,7 +2715,7 @@
           <a:bodyPr/>
           <a:lstStyle/>
           <a:p>
-            <a:fld id="{DEEB45C2-BECD-4472-B16F-9E9C39078D98}" type="slidenum">
+            <a:fld id="{B8BB780F-717F-4A4A-A2CD-C673888AB118}" type="slidenum">
               <a:rPr lang="zh-CN" altLang="en-US" smtClean="0"/>
               <a:t>‹#›</a:t>
             </a:fld>
@@ -2726,7 +2726,7 @@
     </p:spTree>
     <p:extLst>
       <p:ext uri="{BB962C8B-B14F-4D97-AF65-F5344CB8AC3E}">
-        <p14:creationId xmlns:p14="http://schemas.microsoft.com/office/powerpoint/2010/main" val="258600250"/>
+        <p14:creationId xmlns:p14="http://schemas.microsoft.com/office/powerpoint/2010/main" val="1966640106"/>
       </p:ext>
     </p:extLst>
   </p:cSld>
@@ -2763,7 +2763,7 @@
           <p:cNvPr id="2" name="标题占位符 1">
             <a:extLst>
               <a:ext uri="{FF2B5EF4-FFF2-40B4-BE49-F238E27FC236}">
-                <a16:creationId xmlns:a16="http://schemas.microsoft.com/office/drawing/2014/main" id="{17DE4880-F793-48C1-5C34-FCBE01323E74}"/>
+                <a16:creationId xmlns:a16="http://schemas.microsoft.com/office/drawing/2014/main" id="{7554DB42-7A8C-0E41-B8AD-514D5CB4CDA3}"/>
               </a:ext>
             </a:extLst>
           </p:cNvPr>
@@ -2801,7 +2801,7 @@
           <p:cNvPr id="3" name="文本占位符 2">
             <a:extLst>
               <a:ext uri="{FF2B5EF4-FFF2-40B4-BE49-F238E27FC236}">
-                <a16:creationId xmlns:a16="http://schemas.microsoft.com/office/drawing/2014/main" id="{2351E550-C979-9D28-EBFA-286343BFF225}"/>
+                <a16:creationId xmlns:a16="http://schemas.microsoft.com/office/drawing/2014/main" id="{3A0F2E77-DA90-B584-1FD7-471B17B7B753}"/>
               </a:ext>
             </a:extLst>
           </p:cNvPr>
@@ -2868,7 +2868,7 @@
           <p:cNvPr id="4" name="日期占位符 3">
             <a:extLst>
               <a:ext uri="{FF2B5EF4-FFF2-40B4-BE49-F238E27FC236}">
-                <a16:creationId xmlns:a16="http://schemas.microsoft.com/office/drawing/2014/main" id="{A3280F16-7636-0B57-8EDF-DB96019098C1}"/>
+                <a16:creationId xmlns:a16="http://schemas.microsoft.com/office/drawing/2014/main" id="{C8E1FBB9-0543-BEF4-AC78-013674D2BD59}"/>
               </a:ext>
             </a:extLst>
           </p:cNvPr>
@@ -2902,7 +2902,7 @@
             </a:lvl1pPr>
           </a:lstStyle>
           <a:p>
-            <a:fld id="{57414969-10EE-434C-A06F-3E12DDAB1E92}" type="datetimeFigureOut">
+            <a:fld id="{0EF5D0CA-801D-41D9-83CB-88966ABB5BA8}" type="datetimeFigureOut">
               <a:rPr lang="zh-CN" altLang="en-US" smtClean="0"/>
               <a:t>2024/3/10</a:t>
             </a:fld>
@@ -2915,7 +2915,7 @@
           <p:cNvPr id="5" name="页脚占位符 4">
             <a:extLst>
               <a:ext uri="{FF2B5EF4-FFF2-40B4-BE49-F238E27FC236}">
-                <a16:creationId xmlns:a16="http://schemas.microsoft.com/office/drawing/2014/main" id="{C79FFE80-80AF-6535-F9B3-A8425C8AF02E}"/>
+                <a16:creationId xmlns:a16="http://schemas.microsoft.com/office/drawing/2014/main" id="{9D4256B8-6353-8495-A4D1-A02D719217F4}"/>
               </a:ext>
             </a:extLst>
           </p:cNvPr>
@@ -2958,7 +2958,7 @@
           <p:cNvPr id="6" name="灯片编号占位符 5">
             <a:extLst>
               <a:ext uri="{FF2B5EF4-FFF2-40B4-BE49-F238E27FC236}">
-                <a16:creationId xmlns:a16="http://schemas.microsoft.com/office/drawing/2014/main" id="{EC3A41CE-DA61-7F69-B8FF-93794E549C2A}"/>
+                <a16:creationId xmlns:a16="http://schemas.microsoft.com/office/drawing/2014/main" id="{06128CEA-C662-EF3B-64D4-EB944D639E4E}"/>
               </a:ext>
             </a:extLst>
           </p:cNvPr>
@@ -2992,7 +2992,7 @@
             </a:lvl1pPr>
           </a:lstStyle>
           <a:p>
-            <a:fld id="{DEEB45C2-BECD-4472-B16F-9E9C39078D98}" type="slidenum">
+            <a:fld id="{B8BB780F-717F-4A4A-A2CD-C673888AB118}" type="slidenum">
               <a:rPr lang="zh-CN" altLang="en-US" smtClean="0"/>
               <a:t>‹#›</a:t>
             </a:fld>
@@ -3003,7 +3003,7 @@
     </p:spTree>
     <p:extLst>
       <p:ext uri="{BB962C8B-B14F-4D97-AF65-F5344CB8AC3E}">
-        <p14:creationId xmlns:p14="http://schemas.microsoft.com/office/powerpoint/2010/main" val="1378495357"/>
+        <p14:creationId xmlns:p14="http://schemas.microsoft.com/office/powerpoint/2010/main" val="2874781920"/>
       </p:ext>
     </p:extLst>
   </p:cSld>
